--- a/Presentation/Presentation.pptx
+++ b/Presentation/Presentation.pptx
@@ -5,7 +5,7 @@
     <p:sldMasterId id="2147483672" r:id="rId1"/>
   </p:sldMasterIdLst>
   <p:notesMasterIdLst>
-    <p:notesMasterId r:id="rId22"/>
+    <p:notesMasterId r:id="rId24"/>
   </p:notesMasterIdLst>
   <p:sldIdLst>
     <p:sldId id="256" r:id="rId2"/>
@@ -25,9 +25,11 @@
     <p:sldId id="270" r:id="rId16"/>
     <p:sldId id="273" r:id="rId17"/>
     <p:sldId id="274" r:id="rId18"/>
-    <p:sldId id="272" r:id="rId19"/>
-    <p:sldId id="277" r:id="rId20"/>
-    <p:sldId id="276" r:id="rId21"/>
+    <p:sldId id="278" r:id="rId19"/>
+    <p:sldId id="279" r:id="rId20"/>
+    <p:sldId id="272" r:id="rId21"/>
+    <p:sldId id="277" r:id="rId22"/>
+    <p:sldId id="276" r:id="rId23"/>
   </p:sldIdLst>
   <p:sldSz cx="9144000" cy="6858000" type="screen4x3"/>
   <p:notesSz cx="6858000" cy="9144000"/>
@@ -128,7 +130,7 @@
   </p:defaultTextStyle>
   <p:extLst>
     <p:ext uri="{EFAFB233-063F-42B5-8137-9DF3F51BA10A}">
-      <p15:sldGuideLst xmlns="" xmlns:p15="http://schemas.microsoft.com/office/powerpoint/2012/main">
+      <p15:sldGuideLst xmlns:p15="http://schemas.microsoft.com/office/powerpoint/2012/main" xmlns="">
         <p15:guide id="1" orient="horz" pos="2160">
           <p15:clr>
             <a:srgbClr val="A4A3A4"/>
@@ -227,7 +229,7 @@
           <a:p>
             <a:fld id="{BB888685-82E8-4663-B53D-A001CC11E66F}" type="datetimeFigureOut">
               <a:rPr lang="en-US" smtClean="0"/>
-              <a:t>11-May-17</a:t>
+              <a:t>18-May-17</a:t>
             </a:fld>
             <a:endParaRPr lang="en-US"/>
           </a:p>
@@ -1620,7 +1622,7 @@
           <a:p>
             <a:fld id="{31777B96-995D-4BEB-9468-663AC5BA612C}" type="slidenum">
               <a:rPr lang="en-US" smtClean="0"/>
-              <a:t>18</a:t>
+              <a:t>20</a:t>
             </a:fld>
             <a:endParaRPr lang="en-US"/>
           </a:p>
@@ -2631,7 +2633,7 @@
           <a:p>
             <a:fld id="{AEED5088-5535-4B5E-B856-3C5EC3C8BB08}" type="datetime1">
               <a:rPr lang="en-US" smtClean="0"/>
-              <a:t>11-May-17</a:t>
+              <a:t>18-May-17</a:t>
             </a:fld>
             <a:endParaRPr lang="en-US"/>
           </a:p>
@@ -2845,7 +2847,7 @@
           <a:p>
             <a:fld id="{52EEF720-6923-4BB7-B56C-0D6CC7DD7C87}" type="datetime1">
               <a:rPr lang="en-US" smtClean="0"/>
-              <a:t>11-May-17</a:t>
+              <a:t>18-May-17</a:t>
             </a:fld>
             <a:endParaRPr lang="en-US"/>
           </a:p>
@@ -3020,7 +3022,7 @@
           <a:p>
             <a:fld id="{C498FBD1-D177-44A6-80DC-430718E14A32}" type="datetime1">
               <a:rPr lang="en-US" smtClean="0"/>
-              <a:t>11-May-17</a:t>
+              <a:t>18-May-17</a:t>
             </a:fld>
             <a:endParaRPr lang="en-US"/>
           </a:p>
@@ -3183,7 +3185,7 @@
           <a:p>
             <a:fld id="{94F61F22-0147-445F-85DF-91C074899E59}" type="datetime1">
               <a:rPr lang="en-US" smtClean="0"/>
-              <a:t>11-May-17</a:t>
+              <a:t>18-May-17</a:t>
             </a:fld>
             <a:endParaRPr lang="en-US"/>
           </a:p>
@@ -3447,7 +3449,7 @@
           <a:p>
             <a:fld id="{54FAE52C-DE68-4DDA-86AA-8FBA08251BE4}" type="datetime1">
               <a:rPr lang="en-US" smtClean="0"/>
-              <a:t>11-May-17</a:t>
+              <a:t>18-May-17</a:t>
             </a:fld>
             <a:endParaRPr lang="en-US"/>
           </a:p>
@@ -3764,7 +3766,7 @@
           <a:p>
             <a:fld id="{322789B7-CB6E-43B0-ACDD-0C0D21269DF0}" type="datetime1">
               <a:rPr lang="en-US" smtClean="0"/>
-              <a:t>11-May-17</a:t>
+              <a:t>18-May-17</a:t>
             </a:fld>
             <a:endParaRPr lang="en-US"/>
           </a:p>
@@ -4230,7 +4232,7 @@
           <a:p>
             <a:fld id="{CA4CFC87-9C83-49C2-8D42-302A3B3D289E}" type="datetime1">
               <a:rPr lang="en-US" smtClean="0"/>
-              <a:t>11-May-17</a:t>
+              <a:t>18-May-17</a:t>
             </a:fld>
             <a:endParaRPr lang="en-US"/>
           </a:p>
@@ -4377,7 +4379,7 @@
           <a:p>
             <a:fld id="{8199CBCE-C242-45FE-BD41-BD3985C140E7}" type="datetime1">
               <a:rPr lang="en-US" smtClean="0"/>
-              <a:t>11-May-17</a:t>
+              <a:t>18-May-17</a:t>
             </a:fld>
             <a:endParaRPr lang="en-US"/>
           </a:p>
@@ -4467,7 +4469,7 @@
           <a:p>
             <a:fld id="{AF42A8A5-8648-42DE-846F-484FD7A6C641}" type="datetime1">
               <a:rPr lang="en-US" smtClean="0"/>
-              <a:t>11-May-17</a:t>
+              <a:t>18-May-17</a:t>
             </a:fld>
             <a:endParaRPr lang="en-US"/>
           </a:p>
@@ -4741,7 +4743,7 @@
           <a:p>
             <a:fld id="{317C3905-97B4-474A-9BE0-547236F65130}" type="datetime1">
               <a:rPr lang="en-US" smtClean="0"/>
-              <a:t>11-May-17</a:t>
+              <a:t>18-May-17</a:t>
             </a:fld>
             <a:endParaRPr lang="en-US"/>
           </a:p>
@@ -5046,7 +5048,7 @@
           <a:p>
             <a:fld id="{88CC5904-62DE-4E69-8B35-4F055200D915}" type="datetime1">
               <a:rPr lang="en-US" smtClean="0"/>
-              <a:t>11-May-17</a:t>
+              <a:t>18-May-17</a:t>
             </a:fld>
             <a:endParaRPr lang="en-US"/>
           </a:p>
@@ -5344,7 +5346,7 @@
           <a:p>
             <a:fld id="{041E8D4B-6BAB-45DA-9599-773AD7C0C243}" type="datetime1">
               <a:rPr lang="en-US" smtClean="0"/>
-              <a:t>11-May-17</a:t>
+              <a:t>18-May-17</a:t>
             </a:fld>
             <a:endParaRPr lang="en-US"/>
           </a:p>
@@ -5804,15 +5806,12 @@
           <a:lstStyle/>
           <a:p>
             <a:r>
+              <a:rPr lang="en-US" sz="2800" b="1" dirty="0" smtClean="0"/>
+              <a:t>IPSCORE: AN Intrusion </a:t>
+            </a:r>
+            <a:r>
               <a:rPr lang="en-US" sz="2800" b="1" dirty="0"/>
-              <a:t>Implementation of an </a:t>
-            </a:r>
-            <a:br>
-              <a:rPr lang="en-US" sz="2800" b="1" dirty="0"/>
-            </a:br>
-            <a:r>
-              <a:rPr lang="en-US" sz="2800" b="1" dirty="0"/>
-              <a:t>Intrusion Detection System (IDS) Based on Statistical Access Pattern Analysis</a:t>
+              <a:t>Detection System (IDS) Based on Statistical Access Pattern Analysis</a:t>
             </a:r>
           </a:p>
         </p:txBody>
@@ -6844,21 +6843,21 @@
                 <a:gridCol w="940591">
                   <a:extLst>
                     <a:ext uri="{9D8B030D-6E8A-4147-A177-3AD203B41FA5}">
-                      <a16:colId xmlns="" xmlns:a16="http://schemas.microsoft.com/office/drawing/2014/main" val="20000"/>
+                      <a16:colId xmlns:a16="http://schemas.microsoft.com/office/drawing/2014/main" xmlns="" val="20000"/>
                     </a:ext>
                   </a:extLst>
                 </a:gridCol>
                 <a:gridCol w="2132832">
                   <a:extLst>
                     <a:ext uri="{9D8B030D-6E8A-4147-A177-3AD203B41FA5}">
-                      <a16:colId xmlns="" xmlns:a16="http://schemas.microsoft.com/office/drawing/2014/main" val="20001"/>
+                      <a16:colId xmlns:a16="http://schemas.microsoft.com/office/drawing/2014/main" xmlns="" val="20001"/>
                     </a:ext>
                   </a:extLst>
                 </a:gridCol>
                 <a:gridCol w="4927577">
                   <a:extLst>
                     <a:ext uri="{9D8B030D-6E8A-4147-A177-3AD203B41FA5}">
-                      <a16:colId xmlns="" xmlns:a16="http://schemas.microsoft.com/office/drawing/2014/main" val="20002"/>
+                      <a16:colId xmlns:a16="http://schemas.microsoft.com/office/drawing/2014/main" xmlns="" val="20002"/>
                     </a:ext>
                   </a:extLst>
                 </a:gridCol>
@@ -6971,7 +6970,7 @@
                 </a:tc>
                 <a:extLst>
                   <a:ext uri="{0D108BD9-81ED-4DB2-BD59-A6C34878D82A}">
-                    <a16:rowId xmlns="" xmlns:a16="http://schemas.microsoft.com/office/drawing/2014/main" val="10000"/>
+                    <a16:rowId xmlns:a16="http://schemas.microsoft.com/office/drawing/2014/main" xmlns="" val="10000"/>
                   </a:ext>
                 </a:extLst>
               </a:tr>
@@ -7076,7 +7075,7 @@
                 </a:tc>
                 <a:extLst>
                   <a:ext uri="{0D108BD9-81ED-4DB2-BD59-A6C34878D82A}">
-                    <a16:rowId xmlns="" xmlns:a16="http://schemas.microsoft.com/office/drawing/2014/main" val="10001"/>
+                    <a16:rowId xmlns:a16="http://schemas.microsoft.com/office/drawing/2014/main" xmlns="" val="10001"/>
                   </a:ext>
                 </a:extLst>
               </a:tr>
@@ -7191,7 +7190,7 @@
                 </a:tc>
                 <a:extLst>
                   <a:ext uri="{0D108BD9-81ED-4DB2-BD59-A6C34878D82A}">
-                    <a16:rowId xmlns="" xmlns:a16="http://schemas.microsoft.com/office/drawing/2014/main" val="10002"/>
+                    <a16:rowId xmlns:a16="http://schemas.microsoft.com/office/drawing/2014/main" xmlns="" val="10002"/>
                   </a:ext>
                 </a:extLst>
               </a:tr>
@@ -7306,7 +7305,7 @@
                 </a:tc>
                 <a:extLst>
                   <a:ext uri="{0D108BD9-81ED-4DB2-BD59-A6C34878D82A}">
-                    <a16:rowId xmlns="" xmlns:a16="http://schemas.microsoft.com/office/drawing/2014/main" val="10003"/>
+                    <a16:rowId xmlns:a16="http://schemas.microsoft.com/office/drawing/2014/main" xmlns="" val="10003"/>
                   </a:ext>
                 </a:extLst>
               </a:tr>
@@ -7415,7 +7414,7 @@
                 </a:tc>
                 <a:extLst>
                   <a:ext uri="{0D108BD9-81ED-4DB2-BD59-A6C34878D82A}">
-                    <a16:rowId xmlns="" xmlns:a16="http://schemas.microsoft.com/office/drawing/2014/main" val="10004"/>
+                    <a16:rowId xmlns:a16="http://schemas.microsoft.com/office/drawing/2014/main" xmlns="" val="10004"/>
                   </a:ext>
                 </a:extLst>
               </a:tr>
@@ -7524,7 +7523,7 @@
                 </a:tc>
                 <a:extLst>
                   <a:ext uri="{0D108BD9-81ED-4DB2-BD59-A6C34878D82A}">
-                    <a16:rowId xmlns="" xmlns:a16="http://schemas.microsoft.com/office/drawing/2014/main" val="10005"/>
+                    <a16:rowId xmlns:a16="http://schemas.microsoft.com/office/drawing/2014/main" xmlns="" val="10005"/>
                   </a:ext>
                 </a:extLst>
               </a:tr>
@@ -7930,14 +7929,14 @@
                 <a:gridCol w="990600">
                   <a:extLst>
                     <a:ext uri="{9D8B030D-6E8A-4147-A177-3AD203B41FA5}">
-                      <a16:colId xmlns="" xmlns:a16="http://schemas.microsoft.com/office/drawing/2014/main" val="20000"/>
+                      <a16:colId xmlns:a16="http://schemas.microsoft.com/office/drawing/2014/main" xmlns="" val="20000"/>
                     </a:ext>
                   </a:extLst>
                 </a:gridCol>
                 <a:gridCol w="7010400">
                   <a:extLst>
                     <a:ext uri="{9D8B030D-6E8A-4147-A177-3AD203B41FA5}">
-                      <a16:colId xmlns="" xmlns:a16="http://schemas.microsoft.com/office/drawing/2014/main" val="20001"/>
+                      <a16:colId xmlns:a16="http://schemas.microsoft.com/office/drawing/2014/main" xmlns="" val="20001"/>
                     </a:ext>
                   </a:extLst>
                 </a:gridCol>
@@ -8013,7 +8012,7 @@
                 </a:tc>
                 <a:extLst>
                   <a:ext uri="{0D108BD9-81ED-4DB2-BD59-A6C34878D82A}">
-                    <a16:rowId xmlns="" xmlns:a16="http://schemas.microsoft.com/office/drawing/2014/main" val="10000"/>
+                    <a16:rowId xmlns:a16="http://schemas.microsoft.com/office/drawing/2014/main" xmlns="" val="10000"/>
                   </a:ext>
                 </a:extLst>
               </a:tr>
@@ -8100,7 +8099,7 @@
                 </a:tc>
                 <a:extLst>
                   <a:ext uri="{0D108BD9-81ED-4DB2-BD59-A6C34878D82A}">
-                    <a16:rowId xmlns="" xmlns:a16="http://schemas.microsoft.com/office/drawing/2014/main" val="10001"/>
+                    <a16:rowId xmlns:a16="http://schemas.microsoft.com/office/drawing/2014/main" xmlns="" val="10001"/>
                   </a:ext>
                 </a:extLst>
               </a:tr>
@@ -8187,7 +8186,7 @@
                 </a:tc>
                 <a:extLst>
                   <a:ext uri="{0D108BD9-81ED-4DB2-BD59-A6C34878D82A}">
-                    <a16:rowId xmlns="" xmlns:a16="http://schemas.microsoft.com/office/drawing/2014/main" val="10002"/>
+                    <a16:rowId xmlns:a16="http://schemas.microsoft.com/office/drawing/2014/main" xmlns="" val="10002"/>
                   </a:ext>
                 </a:extLst>
               </a:tr>
@@ -8274,7 +8273,7 @@
                 </a:tc>
                 <a:extLst>
                   <a:ext uri="{0D108BD9-81ED-4DB2-BD59-A6C34878D82A}">
-                    <a16:rowId xmlns="" xmlns:a16="http://schemas.microsoft.com/office/drawing/2014/main" val="10003"/>
+                    <a16:rowId xmlns:a16="http://schemas.microsoft.com/office/drawing/2014/main" xmlns="" val="10003"/>
                   </a:ext>
                 </a:extLst>
               </a:tr>
@@ -8361,7 +8360,7 @@
                 </a:tc>
                 <a:extLst>
                   <a:ext uri="{0D108BD9-81ED-4DB2-BD59-A6C34878D82A}">
-                    <a16:rowId xmlns="" xmlns:a16="http://schemas.microsoft.com/office/drawing/2014/main" val="10004"/>
+                    <a16:rowId xmlns:a16="http://schemas.microsoft.com/office/drawing/2014/main" xmlns="" val="10004"/>
                   </a:ext>
                 </a:extLst>
               </a:tr>
@@ -8460,7 +8459,7 @@
                 </a:tc>
                 <a:extLst>
                   <a:ext uri="{0D108BD9-81ED-4DB2-BD59-A6C34878D82A}">
-                    <a16:rowId xmlns="" xmlns:a16="http://schemas.microsoft.com/office/drawing/2014/main" val="10005"/>
+                    <a16:rowId xmlns:a16="http://schemas.microsoft.com/office/drawing/2014/main" xmlns="" val="10005"/>
                   </a:ext>
                 </a:extLst>
               </a:tr>
@@ -8547,7 +8546,7 @@
                 </a:tc>
                 <a:extLst>
                   <a:ext uri="{0D108BD9-81ED-4DB2-BD59-A6C34878D82A}">
-                    <a16:rowId xmlns="" xmlns:a16="http://schemas.microsoft.com/office/drawing/2014/main" val="10006"/>
+                    <a16:rowId xmlns:a16="http://schemas.microsoft.com/office/drawing/2014/main" xmlns="" val="10006"/>
                   </a:ext>
                 </a:extLst>
               </a:tr>
@@ -8622,7 +8621,7 @@
                 </a:tc>
                 <a:extLst>
                   <a:ext uri="{0D108BD9-81ED-4DB2-BD59-A6C34878D82A}">
-                    <a16:rowId xmlns="" xmlns:a16="http://schemas.microsoft.com/office/drawing/2014/main" val="10007"/>
+                    <a16:rowId xmlns:a16="http://schemas.microsoft.com/office/drawing/2014/main" xmlns="" val="10007"/>
                   </a:ext>
                 </a:extLst>
               </a:tr>
@@ -9443,9 +9442,10 @@
           <a:lstStyle/>
           <a:p>
             <a:r>
-              <a:rPr lang="en-US" dirty="0"/>
-              <a:t>Next Steps</a:t>
-            </a:r>
+              <a:rPr lang="en-US" dirty="0" smtClean="0"/>
+              <a:t>IP Score – Implementation</a:t>
+            </a:r>
+            <a:endParaRPr lang="en-US" dirty="0"/>
           </a:p>
         </p:txBody>
       </p:sp>
@@ -9465,20 +9465,40 @@
           <a:lstStyle/>
           <a:p>
             <a:r>
-              <a:rPr lang="en-US" dirty="0"/>
-              <a:t>Experiments on different</a:t>
-            </a:r>
-            <a:r>
-              <a:rPr lang="tr-TR" dirty="0"/>
-              <a:t> </a:t>
-            </a:r>
-            <a:r>
-              <a:rPr lang="tr-TR" dirty="0" err="1"/>
-              <a:t>attack</a:t>
-            </a:r>
-            <a:r>
-              <a:rPr lang="en-US" dirty="0"/>
-              <a:t> scenarios</a:t>
+              <a:rPr lang="en-US" dirty="0" smtClean="0"/>
+              <a:t>Data taken from a payment gateway company</a:t>
+            </a:r>
+          </a:p>
+          <a:p>
+            <a:r>
+              <a:rPr lang="en-US" dirty="0" smtClean="0"/>
+              <a:t>Processed traffic logs from all network devices</a:t>
+            </a:r>
+          </a:p>
+          <a:p>
+            <a:r>
+              <a:rPr lang="en-US" b="1" dirty="0" smtClean="0"/>
+              <a:t>Training data: </a:t>
+            </a:r>
+            <a:r>
+              <a:rPr lang="en-US" dirty="0" smtClean="0"/>
+              <a:t>1 week / 31 million requests</a:t>
+            </a:r>
+          </a:p>
+          <a:p>
+            <a:r>
+              <a:rPr lang="en-US" b="1" dirty="0" smtClean="0"/>
+              <a:t>Each day: </a:t>
+            </a:r>
+            <a:r>
+              <a:rPr lang="en-US" dirty="0" smtClean="0"/>
+              <a:t>~5 million requests </a:t>
+            </a:r>
+          </a:p>
+          <a:p>
+            <a:r>
+              <a:rPr lang="en-US" dirty="0" smtClean="0"/>
+              <a:t>~ 50 internal nodes, 30 services, 400K clients</a:t>
             </a:r>
           </a:p>
           <a:p>
@@ -9486,25 +9506,30 @@
           </a:p>
           <a:p>
             <a:r>
-              <a:rPr lang="en-US" b="1" dirty="0"/>
-              <a:t>Future goals: </a:t>
-            </a:r>
-            <a:r>
-              <a:rPr lang="en-US" dirty="0"/>
-              <a:t>Integrate resource usage for network &amp; server components as a metric  and geo-location data for IP reputation scoring. (Out of </a:t>
-            </a:r>
-            <a:r>
-              <a:rPr lang="en-US" dirty="0" err="1"/>
-              <a:t>sco</a:t>
-            </a:r>
-            <a:r>
-              <a:rPr lang="tr-TR" dirty="0"/>
-              <a:t>p</a:t>
-            </a:r>
-            <a:r>
-              <a:rPr lang="en-US" dirty="0"/>
-              <a:t>e in the project)</a:t>
-            </a:r>
+              <a:rPr lang="en-US" dirty="0" smtClean="0"/>
+              <a:t>Data Sanitization before processing</a:t>
+            </a:r>
+          </a:p>
+          <a:p>
+            <a:r>
+              <a:rPr lang="en-US" dirty="0" smtClean="0"/>
+              <a:t>Sensitive data removed</a:t>
+            </a:r>
+          </a:p>
+          <a:p>
+            <a:r>
+              <a:rPr lang="en-US" dirty="0" smtClean="0"/>
+              <a:t>Analyzed data  in 10-minute resolution </a:t>
+            </a:r>
+          </a:p>
+          <a:p>
+            <a:r>
+              <a:rPr lang="en-US" dirty="0" smtClean="0"/>
+              <a:t>Simulate real time analysis on runtime</a:t>
+            </a:r>
+          </a:p>
+          <a:p>
+            <a:endParaRPr lang="en-US" dirty="0" smtClean="0"/>
           </a:p>
         </p:txBody>
       </p:sp>
@@ -9525,6 +9550,7 @@
           <a:p>
             <a:fld id="{FBC6712F-C4A8-44F8-9656-6624D03F5937}" type="slidenum">
               <a:rPr lang="en-US" smtClean="0"/>
+              <a:pPr/>
               <a:t>18</a:t>
             </a:fld>
             <a:endParaRPr lang="en-US"/>
@@ -9534,7 +9560,7 @@
     </p:spTree>
     <p:extLst>
       <p:ext uri="{BB962C8B-B14F-4D97-AF65-F5344CB8AC3E}">
-        <p14:creationId xmlns:p14="http://schemas.microsoft.com/office/powerpoint/2010/main" val="3965800737"/>
+        <p14:creationId xmlns:p14="http://schemas.microsoft.com/office/powerpoint/2010/main" val="3578042112"/>
       </p:ext>
     </p:extLst>
   </p:cSld>
@@ -9577,10 +9603,10 @@
           <a:lstStyle/>
           <a:p>
             <a:r>
-              <a:rPr lang="tr-TR" dirty="0" err="1"/>
-              <a:t>References</a:t>
-            </a:r>
-            <a:endParaRPr lang="tr-TR" dirty="0"/>
+              <a:rPr lang="en-US" dirty="0" smtClean="0"/>
+              <a:t>Experiments</a:t>
+            </a:r>
+            <a:endParaRPr lang="en-US" dirty="0"/>
           </a:p>
         </p:txBody>
       </p:sp>
@@ -9596,332 +9622,25 @@
         </p:nvSpPr>
         <p:spPr/>
         <p:txBody>
-          <a:bodyPr>
-            <a:normAutofit lnSpcReduction="10000"/>
-          </a:bodyPr>
-          <a:lstStyle/>
-          <a:p>
-            <a:pPr marL="457200" indent="-457200">
-              <a:buFont typeface="+mj-lt"/>
-              <a:buAutoNum type="arabicPeriod"/>
-            </a:pPr>
-            <a:r>
-              <a:rPr lang="en-US" sz="1400" dirty="0"/>
-              <a:t>W. G. </a:t>
-            </a:r>
-            <a:r>
-              <a:rPr lang="en-US" sz="1400" dirty="0" err="1"/>
-              <a:t>Morein</a:t>
-            </a:r>
-            <a:r>
-              <a:rPr lang="en-US" sz="1400" dirty="0"/>
-              <a:t>, A. </a:t>
-            </a:r>
-            <a:r>
-              <a:rPr lang="en-US" sz="1400" dirty="0" err="1"/>
-              <a:t>Stavrou</a:t>
-            </a:r>
-            <a:r>
-              <a:rPr lang="en-US" sz="1400" dirty="0"/>
-              <a:t>, D. L. Cook, A. D. </a:t>
-            </a:r>
-            <a:r>
-              <a:rPr lang="en-US" sz="1400" dirty="0" err="1"/>
-              <a:t>Keromytis</a:t>
-            </a:r>
-            <a:r>
-              <a:rPr lang="en-US" sz="1400" dirty="0"/>
-              <a:t>, V. </a:t>
-            </a:r>
-            <a:r>
-              <a:rPr lang="en-US" sz="1400" dirty="0" err="1"/>
-              <a:t>Misra</a:t>
-            </a:r>
-            <a:r>
-              <a:rPr lang="en-US" sz="1400" dirty="0"/>
-              <a:t>, D. </a:t>
-            </a:r>
-            <a:r>
-              <a:rPr lang="en-US" sz="1400" dirty="0" err="1"/>
-              <a:t>Rubensteiny</a:t>
-            </a:r>
-            <a:r>
-              <a:rPr lang="en-US" sz="1400" dirty="0"/>
-              <a:t>, Using Graphic Turing Tests To Counter Automated DDoS Attacks Against Web Servers, in: Proceedings of the 10th ACM conference on Computer and communications security, Washington, DC, USA, 2003. </a:t>
-            </a:r>
-            <a:endParaRPr lang="tr-TR" sz="1400" dirty="0"/>
-          </a:p>
-          <a:p>
-            <a:pPr marL="457200" indent="-457200">
-              <a:buFont typeface="+mj-lt"/>
-              <a:buAutoNum type="arabicPeriod"/>
-            </a:pPr>
-            <a:r>
-              <a:rPr lang="en-US" sz="1400" dirty="0"/>
-              <a:t>J.-F. </a:t>
-            </a:r>
-            <a:r>
-              <a:rPr lang="en-US" sz="1400" dirty="0" err="1"/>
-              <a:t>Podevin</a:t>
-            </a:r>
-            <a:r>
-              <a:rPr lang="en-US" sz="1400" dirty="0"/>
-              <a:t>, Telling humans and computers apart automatically, COMMUNICATIONS OF THE ACM 47 (2) (2004) 57–60.</a:t>
-            </a:r>
-            <a:endParaRPr lang="tr-TR" sz="1400" dirty="0"/>
-          </a:p>
-          <a:p>
-            <a:pPr marL="457200" indent="-457200">
-              <a:buFont typeface="+mj-lt"/>
-              <a:buAutoNum type="arabicPeriod"/>
-            </a:pPr>
-            <a:r>
-              <a:rPr lang="tr-TR" sz="1400" dirty="0"/>
-              <a:t>G. Mori, J. Malik, </a:t>
-            </a:r>
-            <a:r>
-              <a:rPr lang="tr-TR" sz="1400" dirty="0" err="1"/>
-              <a:t>Recognizing</a:t>
-            </a:r>
-            <a:r>
-              <a:rPr lang="tr-TR" sz="1400" dirty="0"/>
-              <a:t> Objects in </a:t>
-            </a:r>
-            <a:r>
-              <a:rPr lang="tr-TR" sz="1400" dirty="0" err="1"/>
-              <a:t>Adversarial</a:t>
-            </a:r>
-            <a:r>
-              <a:rPr lang="tr-TR" sz="1400" dirty="0"/>
-              <a:t> </a:t>
-            </a:r>
-            <a:r>
-              <a:rPr lang="tr-TR" sz="1400" dirty="0" err="1"/>
-              <a:t>Clutter</a:t>
-            </a:r>
-            <a:r>
-              <a:rPr lang="tr-TR" sz="1400" dirty="0"/>
-              <a:t>: </a:t>
-            </a:r>
-            <a:r>
-              <a:rPr lang="tr-TR" sz="1400" dirty="0" err="1"/>
-              <a:t>Breaking</a:t>
-            </a:r>
-            <a:r>
-              <a:rPr lang="tr-TR" sz="1400" dirty="0"/>
-              <a:t> a Visual CAPTCHA, in: </a:t>
-            </a:r>
-            <a:r>
-              <a:rPr lang="tr-TR" sz="1400" dirty="0" err="1"/>
-              <a:t>Proceedings</a:t>
-            </a:r>
-            <a:r>
-              <a:rPr lang="tr-TR" sz="1400" dirty="0"/>
-              <a:t> of IEEE </a:t>
-            </a:r>
-            <a:r>
-              <a:rPr lang="tr-TR" sz="1400" dirty="0" err="1"/>
-              <a:t>Computer</a:t>
-            </a:r>
-            <a:r>
-              <a:rPr lang="tr-TR" sz="1400" dirty="0"/>
-              <a:t> </a:t>
-            </a:r>
-            <a:r>
-              <a:rPr lang="tr-TR" sz="1400" dirty="0" err="1"/>
-              <a:t>Society</a:t>
-            </a:r>
-            <a:r>
-              <a:rPr lang="tr-TR" sz="1400" dirty="0"/>
-              <a:t> Conference on </a:t>
-            </a:r>
-            <a:r>
-              <a:rPr lang="tr-TR" sz="1400" dirty="0" err="1"/>
-              <a:t>Computer</a:t>
-            </a:r>
-            <a:r>
-              <a:rPr lang="tr-TR" sz="1400" dirty="0"/>
-              <a:t> </a:t>
-            </a:r>
-            <a:r>
-              <a:rPr lang="tr-TR" sz="1400" dirty="0" err="1"/>
-              <a:t>Vision</a:t>
-            </a:r>
-            <a:r>
-              <a:rPr lang="tr-TR" sz="1400" dirty="0"/>
-              <a:t> </a:t>
-            </a:r>
-            <a:r>
-              <a:rPr lang="tr-TR" sz="1400" dirty="0" err="1"/>
-              <a:t>and</a:t>
-            </a:r>
-            <a:r>
-              <a:rPr lang="tr-TR" sz="1400" dirty="0"/>
-              <a:t> </a:t>
-            </a:r>
-            <a:r>
-              <a:rPr lang="tr-TR" sz="1400" dirty="0" err="1"/>
-              <a:t>Pattern</a:t>
-            </a:r>
-            <a:r>
-              <a:rPr lang="tr-TR" sz="1400" dirty="0"/>
-              <a:t> </a:t>
-            </a:r>
-            <a:r>
-              <a:rPr lang="tr-TR" sz="1400" dirty="0" err="1"/>
-              <a:t>Recognition</a:t>
-            </a:r>
-            <a:r>
-              <a:rPr lang="tr-TR" sz="1400" dirty="0"/>
-              <a:t>, Madison, Wisconsin, 2003.</a:t>
-            </a:r>
-          </a:p>
-          <a:p>
-            <a:pPr marL="457200" indent="-457200">
-              <a:buFont typeface="+mj-lt"/>
-              <a:buAutoNum type="arabicPeriod"/>
-            </a:pPr>
-            <a:r>
-              <a:rPr lang="en-US" sz="1400" dirty="0"/>
-              <a:t>E. </a:t>
-            </a:r>
-            <a:r>
-              <a:rPr lang="en-US" sz="1400" dirty="0" err="1"/>
-              <a:t>Athanasopoulos</a:t>
-            </a:r>
-            <a:r>
-              <a:rPr lang="en-US" sz="1400" dirty="0"/>
-              <a:t>, S. </a:t>
-            </a:r>
-            <a:r>
-              <a:rPr lang="en-US" sz="1400" dirty="0" err="1"/>
-              <a:t>Antonatos</a:t>
-            </a:r>
-            <a:r>
-              <a:rPr lang="en-US" sz="1400" dirty="0"/>
-              <a:t>, Enhanced CAPTCHAs: Using Animation to Tell Humans and Computers Apart, in: Proceedings of Communications and Multimedia Security, 2006, pp. 97–108. </a:t>
-            </a:r>
-            <a:endParaRPr lang="tr-TR" sz="1400" dirty="0"/>
-          </a:p>
-          <a:p>
-            <a:pPr marL="457200" indent="-457200">
-              <a:buFont typeface="+mj-lt"/>
-              <a:buAutoNum type="arabicPeriod"/>
-            </a:pPr>
-            <a:r>
-              <a:rPr lang="en-US" sz="1400" dirty="0"/>
-              <a:t>H. D. Truong, C. F. Turner, C. C. Zou, </a:t>
-            </a:r>
-            <a:r>
-              <a:rPr lang="en-US" sz="1400" dirty="0" err="1"/>
-              <a:t>iCAPTCHA</a:t>
-            </a:r>
-            <a:r>
-              <a:rPr lang="en-US" sz="1400" dirty="0"/>
-              <a:t>: The Next Generation of CAPTCHA Designed to Defend Against 3rd Party Human Attacks, in: Proceedings of IEEE International Conference on Communications, Kyoto, Japan, 2011.</a:t>
-            </a:r>
-            <a:endParaRPr lang="tr-TR" sz="1400" dirty="0"/>
-          </a:p>
-          <a:p>
-            <a:pPr marL="457200" indent="-457200">
-              <a:buFont typeface="+mj-lt"/>
-              <a:buAutoNum type="arabicPeriod"/>
-            </a:pPr>
-            <a:r>
-              <a:rPr lang="en-US" sz="1400" dirty="0"/>
-              <a:t>T. </a:t>
-            </a:r>
-            <a:r>
-              <a:rPr lang="en-US" sz="1400" dirty="0" err="1"/>
-              <a:t>Yatagai</a:t>
-            </a:r>
-            <a:r>
-              <a:rPr lang="en-US" sz="1400" dirty="0"/>
-              <a:t>, T. </a:t>
-            </a:r>
-            <a:r>
-              <a:rPr lang="en-US" sz="1400" dirty="0" err="1"/>
-              <a:t>Isohara</a:t>
-            </a:r>
-            <a:r>
-              <a:rPr lang="en-US" sz="1400" dirty="0"/>
-              <a:t>, I. Sasase, Detection of HTTP-GET flood Attack Based on Analysis of Page Access Behavior, in: Proceedings of IEEE Pacific Rim Conference on Communications, Computers and Signal Processing, 2007, pp. 232–235.</a:t>
-            </a:r>
-            <a:endParaRPr lang="tr-TR" sz="1400" dirty="0"/>
-          </a:p>
-          <a:p>
-            <a:pPr marL="457200" indent="-457200">
-              <a:buFont typeface="+mj-lt"/>
-              <a:buAutoNum type="arabicPeriod"/>
-            </a:pPr>
-            <a:r>
-              <a:rPr lang="en-US" sz="1400" dirty="0" err="1"/>
-              <a:t>Beitollahi</a:t>
-            </a:r>
-            <a:r>
-              <a:rPr lang="en-US" sz="1400" dirty="0"/>
-              <a:t>, H., &amp; </a:t>
-            </a:r>
-            <a:r>
-              <a:rPr lang="en-US" sz="1400" dirty="0" err="1"/>
-              <a:t>Deconinck</a:t>
-            </a:r>
-            <a:r>
-              <a:rPr lang="en-US" sz="1400" dirty="0"/>
-              <a:t>, G. (2012). Tackling Application-layer DDoS Attacks. Procedia Computer Science, 10, 432-441. doi:10.1016/j.procs.2012.06.056</a:t>
-            </a:r>
-            <a:endParaRPr lang="tr-TR" sz="1400" dirty="0"/>
-          </a:p>
-          <a:p>
-            <a:pPr marL="457200" indent="-457200">
-              <a:buFont typeface="+mj-lt"/>
-              <a:buAutoNum type="arabicPeriod"/>
-            </a:pPr>
-            <a:r>
-              <a:rPr lang="en-US" sz="1400" dirty="0"/>
-              <a:t>H. </a:t>
-            </a:r>
-            <a:r>
-              <a:rPr lang="en-US" sz="1400" dirty="0" err="1"/>
-              <a:t>Beitollahi</a:t>
-            </a:r>
-            <a:r>
-              <a:rPr lang="en-US" sz="1400" dirty="0"/>
-              <a:t>, G. </a:t>
-            </a:r>
-            <a:r>
-              <a:rPr lang="en-US" sz="1400" dirty="0" err="1"/>
-              <a:t>Deconinck</a:t>
-            </a:r>
-            <a:r>
-              <a:rPr lang="en-US" sz="1400" dirty="0"/>
-              <a:t>, </a:t>
-            </a:r>
-            <a:r>
-              <a:rPr lang="en-US" sz="1400" dirty="0" err="1"/>
-              <a:t>ConnectionScore</a:t>
-            </a:r>
-            <a:r>
-              <a:rPr lang="en-US" sz="1400" dirty="0"/>
-              <a:t>: A Statistical Technique to Resist Application-layer DDoS Attacks, Tech. Rep. 01-2012-0130, Electrical Engineering Department, University of Leuven, Belgium, http://www.esat.kuleuven.be/electa/publications/fulltexts/pub 2313.pdf (2012).</a:t>
-            </a:r>
-            <a:endParaRPr lang="tr-TR" sz="1400" dirty="0"/>
-          </a:p>
-          <a:p>
-            <a:pPr marL="457200" indent="-457200">
-              <a:buFont typeface="+mj-lt"/>
-              <a:buAutoNum type="arabicPeriod"/>
-            </a:pPr>
-            <a:endParaRPr lang="tr-TR" dirty="0"/>
-          </a:p>
-          <a:p>
-            <a:endParaRPr lang="tr-TR" dirty="0"/>
-          </a:p>
-          <a:p>
-            <a:pPr marL="0" indent="0">
-              <a:buNone/>
-            </a:pPr>
-            <a:endParaRPr lang="tr-TR" dirty="0"/>
+          <a:bodyPr/>
+          <a:lstStyle/>
+          <a:p>
+            <a:r>
+              <a:rPr lang="en-US" dirty="0" smtClean="0"/>
+              <a:t>Success rate depends on training data, risk appetite (threshold) and tolerance ratios</a:t>
+            </a:r>
+          </a:p>
+          <a:p>
+            <a:r>
+              <a:rPr lang="en-US" dirty="0" smtClean="0"/>
+              <a:t>Training data updated on run time</a:t>
+            </a:r>
+          </a:p>
+          <a:p>
+            <a:r>
+              <a:rPr lang="en-US" dirty="0" smtClean="0"/>
+              <a:t>Limited computing resource for longer duration run time analysis</a:t>
+            </a:r>
           </a:p>
         </p:txBody>
       </p:sp>
@@ -9952,7 +9671,7 @@
     </p:spTree>
     <p:extLst>
       <p:ext uri="{BB962C8B-B14F-4D97-AF65-F5344CB8AC3E}">
-        <p14:creationId xmlns:p14="http://schemas.microsoft.com/office/powerpoint/2010/main" val="4202311894"/>
+        <p14:creationId xmlns:p14="http://schemas.microsoft.com/office/powerpoint/2010/main" val="3096894141"/>
       </p:ext>
     </p:extLst>
   </p:cSld>
@@ -10056,14 +9775,20 @@
           </a:p>
           <a:p>
             <a:r>
-              <a:rPr lang="en-US" dirty="0"/>
-              <a:t>Experimental Results</a:t>
-            </a:r>
-            <a:endParaRPr lang="tr-TR" dirty="0"/>
-          </a:p>
-          <a:p>
-            <a:r>
-              <a:rPr lang="tr-TR" dirty="0" err="1"/>
+              <a:rPr lang="en-US" dirty="0" smtClean="0"/>
+              <a:t>Experiments</a:t>
+            </a:r>
+          </a:p>
+          <a:p>
+            <a:r>
+              <a:rPr lang="en-US" dirty="0" smtClean="0"/>
+              <a:t>Next Steps</a:t>
+            </a:r>
+            <a:endParaRPr lang="en-US" dirty="0"/>
+          </a:p>
+          <a:p>
+            <a:r>
+              <a:rPr lang="tr-TR" dirty="0" smtClean="0"/>
               <a:t>References</a:t>
             </a:r>
             <a:endParaRPr lang="tr-TR" dirty="0"/>
@@ -10153,7 +9878,7 @@
           <a:p>
             <a:r>
               <a:rPr lang="en-US" dirty="0"/>
-              <a:t>Questions</a:t>
+              <a:t>Next Steps</a:t>
             </a:r>
           </a:p>
         </p:txBody>
@@ -10173,7 +9898,48 @@
           <a:bodyPr/>
           <a:lstStyle/>
           <a:p>
+            <a:r>
+              <a:rPr lang="en-US" dirty="0"/>
+              <a:t>Experiments on different</a:t>
+            </a:r>
+            <a:r>
+              <a:rPr lang="tr-TR" dirty="0"/>
+              <a:t> attack</a:t>
+            </a:r>
+            <a:r>
+              <a:rPr lang="en-US" dirty="0"/>
+              <a:t> </a:t>
+            </a:r>
+            <a:r>
+              <a:rPr lang="en-US" dirty="0" smtClean="0"/>
+              <a:t>scenarios</a:t>
+            </a:r>
             <a:endParaRPr lang="en-US" dirty="0"/>
+          </a:p>
+          <a:p>
+            <a:endParaRPr lang="en-US" dirty="0"/>
+          </a:p>
+          <a:p>
+            <a:r>
+              <a:rPr lang="en-US" b="1" dirty="0"/>
+              <a:t>Future goals: </a:t>
+            </a:r>
+            <a:r>
+              <a:rPr lang="en-US" dirty="0"/>
+              <a:t>Integrate resource usage for network &amp; server components as a metric  and geo-location data for IP reputation scoring. (Out of </a:t>
+            </a:r>
+            <a:r>
+              <a:rPr lang="en-US" dirty="0" err="1"/>
+              <a:t>sco</a:t>
+            </a:r>
+            <a:r>
+              <a:rPr lang="tr-TR" dirty="0"/>
+              <a:t>p</a:t>
+            </a:r>
+            <a:r>
+              <a:rPr lang="en-US" dirty="0"/>
+              <a:t>e in the project)</a:t>
+            </a:r>
           </a:p>
         </p:txBody>
       </p:sp>
@@ -10195,6 +9961,518 @@
             <a:fld id="{FBC6712F-C4A8-44F8-9656-6624D03F5937}" type="slidenum">
               <a:rPr lang="en-US" smtClean="0"/>
               <a:t>20</a:t>
+            </a:fld>
+            <a:endParaRPr lang="en-US"/>
+          </a:p>
+        </p:txBody>
+      </p:sp>
+    </p:spTree>
+    <p:extLst>
+      <p:ext uri="{BB962C8B-B14F-4D97-AF65-F5344CB8AC3E}">
+        <p14:creationId xmlns:p14="http://schemas.microsoft.com/office/powerpoint/2010/main" val="3965800737"/>
+      </p:ext>
+    </p:extLst>
+  </p:cSld>
+  <p:clrMapOvr>
+    <a:masterClrMapping/>
+  </p:clrMapOvr>
+</p:sld>
+</file>
+
+<file path=ppt/slides/slide21.xml><?xml version="1.0" encoding="utf-8"?>
+<p:sld xmlns:a="http://schemas.openxmlformats.org/drawingml/2006/main" xmlns:r="http://schemas.openxmlformats.org/officeDocument/2006/relationships" xmlns:p="http://schemas.openxmlformats.org/presentationml/2006/main">
+  <p:cSld>
+    <p:spTree>
+      <p:nvGrpSpPr>
+        <p:cNvPr id="1" name=""/>
+        <p:cNvGrpSpPr/>
+        <p:nvPr/>
+      </p:nvGrpSpPr>
+      <p:grpSpPr>
+        <a:xfrm>
+          <a:off x="0" y="0"/>
+          <a:ext cx="0" cy="0"/>
+          <a:chOff x="0" y="0"/>
+          <a:chExt cx="0" cy="0"/>
+        </a:xfrm>
+      </p:grpSpPr>
+      <p:sp>
+        <p:nvSpPr>
+          <p:cNvPr id="2" name="Title 1"/>
+          <p:cNvSpPr>
+            <a:spLocks noGrp="1"/>
+          </p:cNvSpPr>
+          <p:nvPr>
+            <p:ph type="title"/>
+          </p:nvPr>
+        </p:nvSpPr>
+        <p:spPr/>
+        <p:txBody>
+          <a:bodyPr/>
+          <a:lstStyle/>
+          <a:p>
+            <a:r>
+              <a:rPr lang="tr-TR" dirty="0" err="1"/>
+              <a:t>References</a:t>
+            </a:r>
+            <a:endParaRPr lang="tr-TR" dirty="0"/>
+          </a:p>
+        </p:txBody>
+      </p:sp>
+      <p:sp>
+        <p:nvSpPr>
+          <p:cNvPr id="3" name="Content Placeholder 2"/>
+          <p:cNvSpPr>
+            <a:spLocks noGrp="1"/>
+          </p:cNvSpPr>
+          <p:nvPr>
+            <p:ph idx="1"/>
+          </p:nvPr>
+        </p:nvSpPr>
+        <p:spPr/>
+        <p:txBody>
+          <a:bodyPr>
+            <a:normAutofit lnSpcReduction="10000"/>
+          </a:bodyPr>
+          <a:lstStyle/>
+          <a:p>
+            <a:pPr marL="457200" indent="-457200">
+              <a:buFont typeface="+mj-lt"/>
+              <a:buAutoNum type="arabicPeriod"/>
+            </a:pPr>
+            <a:r>
+              <a:rPr lang="en-US" sz="1400" dirty="0"/>
+              <a:t>W. G. </a:t>
+            </a:r>
+            <a:r>
+              <a:rPr lang="en-US" sz="1400" dirty="0" err="1"/>
+              <a:t>Morein</a:t>
+            </a:r>
+            <a:r>
+              <a:rPr lang="en-US" sz="1400" dirty="0"/>
+              <a:t>, A. </a:t>
+            </a:r>
+            <a:r>
+              <a:rPr lang="en-US" sz="1400" dirty="0" err="1"/>
+              <a:t>Stavrou</a:t>
+            </a:r>
+            <a:r>
+              <a:rPr lang="en-US" sz="1400" dirty="0"/>
+              <a:t>, D. L. Cook, A. D. </a:t>
+            </a:r>
+            <a:r>
+              <a:rPr lang="en-US" sz="1400" dirty="0" err="1"/>
+              <a:t>Keromytis</a:t>
+            </a:r>
+            <a:r>
+              <a:rPr lang="en-US" sz="1400" dirty="0"/>
+              <a:t>, V. </a:t>
+            </a:r>
+            <a:r>
+              <a:rPr lang="en-US" sz="1400" dirty="0" err="1"/>
+              <a:t>Misra</a:t>
+            </a:r>
+            <a:r>
+              <a:rPr lang="en-US" sz="1400" dirty="0"/>
+              <a:t>, D. </a:t>
+            </a:r>
+            <a:r>
+              <a:rPr lang="en-US" sz="1400" dirty="0" err="1"/>
+              <a:t>Rubensteiny</a:t>
+            </a:r>
+            <a:r>
+              <a:rPr lang="en-US" sz="1400" dirty="0"/>
+              <a:t>, Using Graphic Turing Tests To Counter Automated DDoS Attacks Against Web Servers, in: Proceedings of the 10th ACM conference on Computer and communications security, Washington, DC, USA, 2003. </a:t>
+            </a:r>
+            <a:endParaRPr lang="tr-TR" sz="1400" dirty="0"/>
+          </a:p>
+          <a:p>
+            <a:pPr marL="457200" indent="-457200">
+              <a:buFont typeface="+mj-lt"/>
+              <a:buAutoNum type="arabicPeriod"/>
+            </a:pPr>
+            <a:r>
+              <a:rPr lang="en-US" sz="1400" dirty="0"/>
+              <a:t>J.-F. </a:t>
+            </a:r>
+            <a:r>
+              <a:rPr lang="en-US" sz="1400" dirty="0" err="1"/>
+              <a:t>Podevin</a:t>
+            </a:r>
+            <a:r>
+              <a:rPr lang="en-US" sz="1400" dirty="0"/>
+              <a:t>, Telling humans and computers apart automatically, COMMUNICATIONS OF THE ACM 47 (2) (2004) 57–60.</a:t>
+            </a:r>
+            <a:endParaRPr lang="tr-TR" sz="1400" dirty="0"/>
+          </a:p>
+          <a:p>
+            <a:pPr marL="457200" indent="-457200">
+              <a:buFont typeface="+mj-lt"/>
+              <a:buAutoNum type="arabicPeriod"/>
+            </a:pPr>
+            <a:r>
+              <a:rPr lang="tr-TR" sz="1400" dirty="0"/>
+              <a:t>G. Mori, J. Malik, </a:t>
+            </a:r>
+            <a:r>
+              <a:rPr lang="tr-TR" sz="1400" dirty="0" err="1"/>
+              <a:t>Recognizing</a:t>
+            </a:r>
+            <a:r>
+              <a:rPr lang="tr-TR" sz="1400" dirty="0"/>
+              <a:t> Objects in </a:t>
+            </a:r>
+            <a:r>
+              <a:rPr lang="tr-TR" sz="1400" dirty="0" err="1"/>
+              <a:t>Adversarial</a:t>
+            </a:r>
+            <a:r>
+              <a:rPr lang="tr-TR" sz="1400" dirty="0"/>
+              <a:t> </a:t>
+            </a:r>
+            <a:r>
+              <a:rPr lang="tr-TR" sz="1400" dirty="0" err="1"/>
+              <a:t>Clutter</a:t>
+            </a:r>
+            <a:r>
+              <a:rPr lang="tr-TR" sz="1400" dirty="0"/>
+              <a:t>: </a:t>
+            </a:r>
+            <a:r>
+              <a:rPr lang="tr-TR" sz="1400" dirty="0" err="1"/>
+              <a:t>Breaking</a:t>
+            </a:r>
+            <a:r>
+              <a:rPr lang="tr-TR" sz="1400" dirty="0"/>
+              <a:t> a Visual CAPTCHA, in: </a:t>
+            </a:r>
+            <a:r>
+              <a:rPr lang="tr-TR" sz="1400" dirty="0" err="1"/>
+              <a:t>Proceedings</a:t>
+            </a:r>
+            <a:r>
+              <a:rPr lang="tr-TR" sz="1400" dirty="0"/>
+              <a:t> of IEEE </a:t>
+            </a:r>
+            <a:r>
+              <a:rPr lang="tr-TR" sz="1400" dirty="0" err="1"/>
+              <a:t>Computer</a:t>
+            </a:r>
+            <a:r>
+              <a:rPr lang="tr-TR" sz="1400" dirty="0"/>
+              <a:t> </a:t>
+            </a:r>
+            <a:r>
+              <a:rPr lang="tr-TR" sz="1400" dirty="0" err="1"/>
+              <a:t>Society</a:t>
+            </a:r>
+            <a:r>
+              <a:rPr lang="tr-TR" sz="1400" dirty="0"/>
+              <a:t> Conference on </a:t>
+            </a:r>
+            <a:r>
+              <a:rPr lang="tr-TR" sz="1400" dirty="0" err="1"/>
+              <a:t>Computer</a:t>
+            </a:r>
+            <a:r>
+              <a:rPr lang="tr-TR" sz="1400" dirty="0"/>
+              <a:t> </a:t>
+            </a:r>
+            <a:r>
+              <a:rPr lang="tr-TR" sz="1400" dirty="0" err="1"/>
+              <a:t>Vision</a:t>
+            </a:r>
+            <a:r>
+              <a:rPr lang="tr-TR" sz="1400" dirty="0"/>
+              <a:t> </a:t>
+            </a:r>
+            <a:r>
+              <a:rPr lang="tr-TR" sz="1400" dirty="0" err="1"/>
+              <a:t>and</a:t>
+            </a:r>
+            <a:r>
+              <a:rPr lang="tr-TR" sz="1400" dirty="0"/>
+              <a:t> </a:t>
+            </a:r>
+            <a:r>
+              <a:rPr lang="tr-TR" sz="1400" dirty="0" err="1"/>
+              <a:t>Pattern</a:t>
+            </a:r>
+            <a:r>
+              <a:rPr lang="tr-TR" sz="1400" dirty="0"/>
+              <a:t> </a:t>
+            </a:r>
+            <a:r>
+              <a:rPr lang="tr-TR" sz="1400" dirty="0" err="1"/>
+              <a:t>Recognition</a:t>
+            </a:r>
+            <a:r>
+              <a:rPr lang="tr-TR" sz="1400" dirty="0"/>
+              <a:t>, Madison, Wisconsin, 2003.</a:t>
+            </a:r>
+          </a:p>
+          <a:p>
+            <a:pPr marL="457200" indent="-457200">
+              <a:buFont typeface="+mj-lt"/>
+              <a:buAutoNum type="arabicPeriod"/>
+            </a:pPr>
+            <a:r>
+              <a:rPr lang="en-US" sz="1400" dirty="0"/>
+              <a:t>E. </a:t>
+            </a:r>
+            <a:r>
+              <a:rPr lang="en-US" sz="1400" dirty="0" err="1"/>
+              <a:t>Athanasopoulos</a:t>
+            </a:r>
+            <a:r>
+              <a:rPr lang="en-US" sz="1400" dirty="0"/>
+              <a:t>, S. </a:t>
+            </a:r>
+            <a:r>
+              <a:rPr lang="en-US" sz="1400" dirty="0" err="1"/>
+              <a:t>Antonatos</a:t>
+            </a:r>
+            <a:r>
+              <a:rPr lang="en-US" sz="1400" dirty="0"/>
+              <a:t>, Enhanced CAPTCHAs: Using Animation to Tell Humans and Computers Apart, in: Proceedings of Communications and Multimedia Security, 2006, pp. 97–108. </a:t>
+            </a:r>
+            <a:endParaRPr lang="tr-TR" sz="1400" dirty="0"/>
+          </a:p>
+          <a:p>
+            <a:pPr marL="457200" indent="-457200">
+              <a:buFont typeface="+mj-lt"/>
+              <a:buAutoNum type="arabicPeriod"/>
+            </a:pPr>
+            <a:r>
+              <a:rPr lang="en-US" sz="1400" dirty="0"/>
+              <a:t>H. D. Truong, C. F. Turner, C. C. Zou, </a:t>
+            </a:r>
+            <a:r>
+              <a:rPr lang="en-US" sz="1400" dirty="0" err="1"/>
+              <a:t>iCAPTCHA</a:t>
+            </a:r>
+            <a:r>
+              <a:rPr lang="en-US" sz="1400" dirty="0"/>
+              <a:t>: The Next Generation of CAPTCHA Designed to Defend Against 3rd Party Human Attacks, in: Proceedings of IEEE International Conference on Communications, Kyoto, Japan, 2011.</a:t>
+            </a:r>
+            <a:endParaRPr lang="tr-TR" sz="1400" dirty="0"/>
+          </a:p>
+          <a:p>
+            <a:pPr marL="457200" indent="-457200">
+              <a:buFont typeface="+mj-lt"/>
+              <a:buAutoNum type="arabicPeriod"/>
+            </a:pPr>
+            <a:r>
+              <a:rPr lang="en-US" sz="1400" dirty="0"/>
+              <a:t>T. </a:t>
+            </a:r>
+            <a:r>
+              <a:rPr lang="en-US" sz="1400" dirty="0" err="1"/>
+              <a:t>Yatagai</a:t>
+            </a:r>
+            <a:r>
+              <a:rPr lang="en-US" sz="1400" dirty="0"/>
+              <a:t>, T. </a:t>
+            </a:r>
+            <a:r>
+              <a:rPr lang="en-US" sz="1400" dirty="0" err="1"/>
+              <a:t>Isohara</a:t>
+            </a:r>
+            <a:r>
+              <a:rPr lang="en-US" sz="1400" dirty="0"/>
+              <a:t>, I. Sasase, Detection of HTTP-GET flood Attack Based on Analysis of Page Access Behavior, in: Proceedings of IEEE Pacific Rim Conference on Communications, Computers and Signal Processing, 2007, pp. 232–235.</a:t>
+            </a:r>
+            <a:endParaRPr lang="tr-TR" sz="1400" dirty="0"/>
+          </a:p>
+          <a:p>
+            <a:pPr marL="457200" indent="-457200">
+              <a:buFont typeface="+mj-lt"/>
+              <a:buAutoNum type="arabicPeriod"/>
+            </a:pPr>
+            <a:r>
+              <a:rPr lang="en-US" sz="1400" dirty="0" err="1"/>
+              <a:t>Beitollahi</a:t>
+            </a:r>
+            <a:r>
+              <a:rPr lang="en-US" sz="1400" dirty="0"/>
+              <a:t>, H., &amp; </a:t>
+            </a:r>
+            <a:r>
+              <a:rPr lang="en-US" sz="1400" dirty="0" err="1"/>
+              <a:t>Deconinck</a:t>
+            </a:r>
+            <a:r>
+              <a:rPr lang="en-US" sz="1400" dirty="0"/>
+              <a:t>, G. (2012). Tackling Application-layer DDoS Attacks. Procedia Computer Science, 10, 432-441. doi:10.1016/j.procs.2012.06.056</a:t>
+            </a:r>
+            <a:endParaRPr lang="tr-TR" sz="1400" dirty="0"/>
+          </a:p>
+          <a:p>
+            <a:pPr marL="457200" indent="-457200">
+              <a:buFont typeface="+mj-lt"/>
+              <a:buAutoNum type="arabicPeriod"/>
+            </a:pPr>
+            <a:r>
+              <a:rPr lang="en-US" sz="1400" dirty="0"/>
+              <a:t>H. </a:t>
+            </a:r>
+            <a:r>
+              <a:rPr lang="en-US" sz="1400" dirty="0" err="1"/>
+              <a:t>Beitollahi</a:t>
+            </a:r>
+            <a:r>
+              <a:rPr lang="en-US" sz="1400" dirty="0"/>
+              <a:t>, G. </a:t>
+            </a:r>
+            <a:r>
+              <a:rPr lang="en-US" sz="1400" dirty="0" err="1"/>
+              <a:t>Deconinck</a:t>
+            </a:r>
+            <a:r>
+              <a:rPr lang="en-US" sz="1400" dirty="0"/>
+              <a:t>, </a:t>
+            </a:r>
+            <a:r>
+              <a:rPr lang="en-US" sz="1400" dirty="0" err="1"/>
+              <a:t>ConnectionScore</a:t>
+            </a:r>
+            <a:r>
+              <a:rPr lang="en-US" sz="1400" dirty="0"/>
+              <a:t>: A Statistical Technique to Resist Application-layer DDoS Attacks, Tech. Rep. 01-2012-0130, Electrical Engineering Department, University of Leuven, Belgium, http://www.esat.kuleuven.be/electa/publications/fulltexts/pub 2313.pdf (2012).</a:t>
+            </a:r>
+            <a:endParaRPr lang="tr-TR" sz="1400" dirty="0"/>
+          </a:p>
+          <a:p>
+            <a:pPr marL="457200" indent="-457200">
+              <a:buFont typeface="+mj-lt"/>
+              <a:buAutoNum type="arabicPeriod"/>
+            </a:pPr>
+            <a:endParaRPr lang="tr-TR" dirty="0"/>
+          </a:p>
+          <a:p>
+            <a:endParaRPr lang="tr-TR" dirty="0"/>
+          </a:p>
+          <a:p>
+            <a:pPr marL="0" indent="0">
+              <a:buNone/>
+            </a:pPr>
+            <a:endParaRPr lang="tr-TR" dirty="0"/>
+          </a:p>
+        </p:txBody>
+      </p:sp>
+      <p:sp>
+        <p:nvSpPr>
+          <p:cNvPr id="4" name="Slide Number Placeholder 3"/>
+          <p:cNvSpPr>
+            <a:spLocks noGrp="1"/>
+          </p:cNvSpPr>
+          <p:nvPr>
+            <p:ph type="sldNum" sz="quarter" idx="12"/>
+          </p:nvPr>
+        </p:nvSpPr>
+        <p:spPr/>
+        <p:txBody>
+          <a:bodyPr/>
+          <a:lstStyle/>
+          <a:p>
+            <a:fld id="{FBC6712F-C4A8-44F8-9656-6624D03F5937}" type="slidenum">
+              <a:rPr lang="en-US" smtClean="0"/>
+              <a:pPr/>
+              <a:t>21</a:t>
+            </a:fld>
+            <a:endParaRPr lang="en-US"/>
+          </a:p>
+        </p:txBody>
+      </p:sp>
+    </p:spTree>
+    <p:extLst>
+      <p:ext uri="{BB962C8B-B14F-4D97-AF65-F5344CB8AC3E}">
+        <p14:creationId xmlns:p14="http://schemas.microsoft.com/office/powerpoint/2010/main" val="4202311894"/>
+      </p:ext>
+    </p:extLst>
+  </p:cSld>
+  <p:clrMapOvr>
+    <a:masterClrMapping/>
+  </p:clrMapOvr>
+</p:sld>
+</file>
+
+<file path=ppt/slides/slide22.xml><?xml version="1.0" encoding="utf-8"?>
+<p:sld xmlns:a="http://schemas.openxmlformats.org/drawingml/2006/main" xmlns:r="http://schemas.openxmlformats.org/officeDocument/2006/relationships" xmlns:p="http://schemas.openxmlformats.org/presentationml/2006/main">
+  <p:cSld>
+    <p:spTree>
+      <p:nvGrpSpPr>
+        <p:cNvPr id="1" name=""/>
+        <p:cNvGrpSpPr/>
+        <p:nvPr/>
+      </p:nvGrpSpPr>
+      <p:grpSpPr>
+        <a:xfrm>
+          <a:off x="0" y="0"/>
+          <a:ext cx="0" cy="0"/>
+          <a:chOff x="0" y="0"/>
+          <a:chExt cx="0" cy="0"/>
+        </a:xfrm>
+      </p:grpSpPr>
+      <p:sp>
+        <p:nvSpPr>
+          <p:cNvPr id="2" name="Title 1"/>
+          <p:cNvSpPr>
+            <a:spLocks noGrp="1"/>
+          </p:cNvSpPr>
+          <p:nvPr>
+            <p:ph type="title"/>
+          </p:nvPr>
+        </p:nvSpPr>
+        <p:spPr/>
+        <p:txBody>
+          <a:bodyPr/>
+          <a:lstStyle/>
+          <a:p>
+            <a:r>
+              <a:rPr lang="en-US" dirty="0"/>
+              <a:t>Questions</a:t>
+            </a:r>
+          </a:p>
+        </p:txBody>
+      </p:sp>
+      <p:sp>
+        <p:nvSpPr>
+          <p:cNvPr id="3" name="Content Placeholder 2"/>
+          <p:cNvSpPr>
+            <a:spLocks noGrp="1"/>
+          </p:cNvSpPr>
+          <p:nvPr>
+            <p:ph idx="1"/>
+          </p:nvPr>
+        </p:nvSpPr>
+        <p:spPr/>
+        <p:txBody>
+          <a:bodyPr/>
+          <a:lstStyle/>
+          <a:p>
+            <a:endParaRPr lang="en-US" dirty="0"/>
+          </a:p>
+        </p:txBody>
+      </p:sp>
+      <p:sp>
+        <p:nvSpPr>
+          <p:cNvPr id="4" name="Slide Number Placeholder 3"/>
+          <p:cNvSpPr>
+            <a:spLocks noGrp="1"/>
+          </p:cNvSpPr>
+          <p:nvPr>
+            <p:ph type="sldNum" sz="quarter" idx="12"/>
+          </p:nvPr>
+        </p:nvSpPr>
+        <p:spPr/>
+        <p:txBody>
+          <a:bodyPr/>
+          <a:lstStyle/>
+          <a:p>
+            <a:fld id="{FBC6712F-C4A8-44F8-9656-6624D03F5937}" type="slidenum">
+              <a:rPr lang="en-US" smtClean="0"/>
+              <a:t>22</a:t>
             </a:fld>
             <a:endParaRPr lang="en-US"/>
           </a:p>
